--- a/module-1/Faison_1_2_TechnologyValueStream.pptx
+++ b/module-1/Faison_1_2_TechnologyValueStream.pptx
@@ -13,7 +13,9 @@
     <p:sldId id="260" r:id="rId7"/>
     <p:sldId id="262" r:id="rId8"/>
     <p:sldId id="263" r:id="rId9"/>
-    <p:sldId id="257" r:id="rId10"/>
+    <p:sldId id="265" r:id="rId10"/>
+    <p:sldId id="266" r:id="rId11"/>
+    <p:sldId id="257" r:id="rId12"/>
   </p:sldIdLst>
   <p:sldSz cx="12192000" cy="6858000"/>
   <p:notesSz cx="6858000" cy="9144000"/>
@@ -20691,6 +20693,228 @@
 </p:sld>
 </file>
 
+<file path=ppt/slides/slide10.xml><?xml version="1.0" encoding="utf-8"?>
+<p:sld xmlns:a="http://schemas.openxmlformats.org/drawingml/2006/main" xmlns:r="http://schemas.openxmlformats.org/officeDocument/2006/relationships" xmlns:p="http://schemas.openxmlformats.org/presentationml/2006/main">
+  <p:cSld>
+    <p:spTree>
+      <p:nvGrpSpPr>
+        <p:cNvPr id="1" name=""/>
+        <p:cNvGrpSpPr/>
+        <p:nvPr/>
+      </p:nvGrpSpPr>
+      <p:grpSpPr>
+        <a:xfrm>
+          <a:off x="0" y="0"/>
+          <a:ext cx="0" cy="0"/>
+          <a:chOff x="0" y="0"/>
+          <a:chExt cx="0" cy="0"/>
+        </a:xfrm>
+      </p:grpSpPr>
+      <p:sp>
+        <p:nvSpPr>
+          <p:cNvPr id="2" name="Title 1">
+            <a:extLst>
+              <a:ext uri="{FF2B5EF4-FFF2-40B4-BE49-F238E27FC236}">
+                <a16:creationId xmlns:a16="http://schemas.microsoft.com/office/drawing/2014/main" id="{51A4A033-1D22-E72A-4E84-650A0D4141C4}"/>
+              </a:ext>
+            </a:extLst>
+          </p:cNvPr>
+          <p:cNvSpPr>
+            <a:spLocks noGrp="1"/>
+          </p:cNvSpPr>
+          <p:nvPr>
+            <p:ph type="ctrTitle"/>
+          </p:nvPr>
+        </p:nvSpPr>
+        <p:spPr>
+          <a:xfrm>
+            <a:off x="457199" y="4960137"/>
+            <a:ext cx="11574379" cy="1463040"/>
+          </a:xfrm>
+          <a:solidFill>
+            <a:schemeClr val="bg1"/>
+          </a:solidFill>
+        </p:spPr>
+        <p:txBody>
+          <a:bodyPr/>
+          <a:lstStyle/>
+          <a:p>
+            <a:pPr algn="ctr"/>
+            <a:r>
+              <a:rPr lang="en-US" dirty="0"/>
+              <a:t>Thank you for your time</a:t>
+            </a:r>
+          </a:p>
+        </p:txBody>
+      </p:sp>
+    </p:spTree>
+    <p:extLst>
+      <p:ext uri="{BB962C8B-B14F-4D97-AF65-F5344CB8AC3E}">
+        <p14:creationId xmlns:p14="http://schemas.microsoft.com/office/powerpoint/2010/main" val="1657209544"/>
+      </p:ext>
+    </p:extLst>
+  </p:cSld>
+  <p:clrMapOvr>
+    <a:masterClrMapping/>
+  </p:clrMapOvr>
+</p:sld>
+</file>
+
+<file path=ppt/slides/slide11.xml><?xml version="1.0" encoding="utf-8"?>
+<p:sld xmlns:a="http://schemas.openxmlformats.org/drawingml/2006/main" xmlns:r="http://schemas.openxmlformats.org/officeDocument/2006/relationships" xmlns:p="http://schemas.openxmlformats.org/presentationml/2006/main">
+  <p:cSld>
+    <p:spTree>
+      <p:nvGrpSpPr>
+        <p:cNvPr id="1" name=""/>
+        <p:cNvGrpSpPr/>
+        <p:nvPr/>
+      </p:nvGrpSpPr>
+      <p:grpSpPr>
+        <a:xfrm>
+          <a:off x="0" y="0"/>
+          <a:ext cx="0" cy="0"/>
+          <a:chOff x="0" y="0"/>
+          <a:chExt cx="0" cy="0"/>
+        </a:xfrm>
+      </p:grpSpPr>
+      <p:sp>
+        <p:nvSpPr>
+          <p:cNvPr id="2" name="Title 1">
+            <a:extLst>
+              <a:ext uri="{FF2B5EF4-FFF2-40B4-BE49-F238E27FC236}">
+                <a16:creationId xmlns:a16="http://schemas.microsoft.com/office/drawing/2014/main" id="{5116642F-F849-DFCF-F526-5DEA35BECC41}"/>
+              </a:ext>
+            </a:extLst>
+          </p:cNvPr>
+          <p:cNvSpPr>
+            <a:spLocks noGrp="1"/>
+          </p:cNvSpPr>
+          <p:nvPr>
+            <p:ph type="title"/>
+          </p:nvPr>
+        </p:nvSpPr>
+        <p:spPr/>
+        <p:txBody>
+          <a:bodyPr/>
+          <a:lstStyle/>
+          <a:p>
+            <a:r>
+              <a:rPr lang="en-US" dirty="0"/>
+              <a:t>Resources</a:t>
+            </a:r>
+          </a:p>
+        </p:txBody>
+      </p:sp>
+      <p:sp>
+        <p:nvSpPr>
+          <p:cNvPr id="3" name="Content Placeholder 2">
+            <a:extLst>
+              <a:ext uri="{FF2B5EF4-FFF2-40B4-BE49-F238E27FC236}">
+                <a16:creationId xmlns:a16="http://schemas.microsoft.com/office/drawing/2014/main" id="{9E98AD09-167C-B74B-105D-FDFFCD0C9152}"/>
+              </a:ext>
+            </a:extLst>
+          </p:cNvPr>
+          <p:cNvSpPr>
+            <a:spLocks noGrp="1"/>
+          </p:cNvSpPr>
+          <p:nvPr>
+            <p:ph idx="1"/>
+          </p:nvPr>
+        </p:nvSpPr>
+        <p:spPr/>
+        <p:txBody>
+          <a:bodyPr>
+            <a:normAutofit/>
+          </a:bodyPr>
+          <a:lstStyle/>
+          <a:p>
+            <a:pPr marL="0" indent="0">
+              <a:buNone/>
+            </a:pPr>
+            <a:r>
+              <a:rPr lang="en-US" sz="1800" dirty="0"/>
+              <a:t>OpenAI. (2023). ChatGPT (Feb 13 version) [Large language model]. https://chat.openai.com</a:t>
+            </a:r>
+          </a:p>
+          <a:p>
+            <a:pPr marL="0" indent="0">
+              <a:buNone/>
+            </a:pPr>
+            <a:r>
+              <a:rPr lang="en-US" sz="1800" dirty="0"/>
+              <a:t>‌Kim, G., Debois, P., Willis, J., Jez Humble, &amp; </a:t>
+            </a:r>
+            <a:r>
+              <a:rPr lang="en-US" sz="1800" dirty="0" err="1"/>
+              <a:t>Allspaw</a:t>
+            </a:r>
+            <a:r>
+              <a:rPr lang="en-US" sz="1800" dirty="0"/>
+              <a:t>, J. (2021). The DevOps handbook : how to create world-class agility, reliability, &amp; security in technology organizations. It Revolution Press, </a:t>
+            </a:r>
+            <a:r>
+              <a:rPr lang="en-US" sz="1800" dirty="0" err="1"/>
+              <a:t>Llc</a:t>
+            </a:r>
+            <a:r>
+              <a:rPr lang="en-US" sz="1800" dirty="0"/>
+              <a:t>.</a:t>
+            </a:r>
+          </a:p>
+          <a:p>
+            <a:pPr marL="0" indent="0">
+              <a:buNone/>
+            </a:pPr>
+            <a:r>
+              <a:rPr lang="en-US" sz="1800" dirty="0"/>
+              <a:t>Kenton, W. (2024, June 5). What is Lead Time? Investopedia. https://www.investopedia.com/terms/l/leadtime.asp</a:t>
+            </a:r>
+          </a:p>
+          <a:p>
+            <a:pPr marL="0" indent="0">
+              <a:buNone/>
+            </a:pPr>
+            <a:endParaRPr lang="en-US" sz="1800" dirty="0"/>
+          </a:p>
+          <a:p>
+            <a:pPr marL="0" indent="0">
+              <a:buNone/>
+            </a:pPr>
+            <a:r>
+              <a:rPr lang="en-US" sz="1800" dirty="0"/>
+              <a:t>‌What Is Software Deployment? (2023, June 26). PagerDuty. https://www.pagerduty.com/resources/continuous-integration-delivery/learn/what-is-software-deployment/</a:t>
+            </a:r>
+          </a:p>
+          <a:p>
+            <a:pPr marL="0" indent="0">
+              <a:buNone/>
+            </a:pPr>
+            <a:endParaRPr lang="en-US" sz="1800" dirty="0"/>
+          </a:p>
+          <a:p>
+            <a:pPr marL="0" indent="0">
+              <a:buNone/>
+            </a:pPr>
+            <a:r>
+              <a:rPr lang="en-US" sz="1800" dirty="0"/>
+              <a:t>‌</a:t>
+            </a:r>
+          </a:p>
+        </p:txBody>
+      </p:sp>
+    </p:spTree>
+    <p:extLst>
+      <p:ext uri="{BB962C8B-B14F-4D97-AF65-F5344CB8AC3E}">
+        <p14:creationId xmlns:p14="http://schemas.microsoft.com/office/powerpoint/2010/main" val="433987540"/>
+      </p:ext>
+    </p:extLst>
+  </p:cSld>
+  <p:clrMapOvr>
+    <a:masterClrMapping/>
+  </p:clrMapOvr>
+</p:sld>
+</file>
+
 <file path=ppt/slides/slide2.xml><?xml version="1.0" encoding="utf-8"?>
 <p:sld xmlns:a="http://schemas.openxmlformats.org/drawingml/2006/main" xmlns:r="http://schemas.openxmlformats.org/officeDocument/2006/relationships" xmlns:p="http://schemas.openxmlformats.org/presentationml/2006/main">
   <p:cSld>
@@ -21387,17 +21611,124 @@
         <p:spPr>
           <a:xfrm>
             <a:off x="1024128" y="2526310"/>
-            <a:ext cx="10143744" cy="3783050"/>
+            <a:ext cx="4606651" cy="3783050"/>
           </a:xfrm>
         </p:spPr>
         <p:txBody>
           <a:bodyPr/>
           <a:lstStyle/>
           <a:p>
-            <a:endParaRPr lang="en-US" dirty="0"/>
+            <a:pPr>
+              <a:buFont typeface="Wingdings" panose="05000000000000000000" pitchFamily="2" charset="2"/>
+              <a:buChar char="v"/>
+            </a:pPr>
+            <a:r>
+              <a:rPr lang="en-US" b="1" dirty="0"/>
+              <a:t> Lead Time </a:t>
+            </a:r>
+            <a:r>
+              <a:rPr lang="en-US" dirty="0"/>
+              <a:t>is the overall timeline that sandwiches when a request is made and when the request has been completed</a:t>
+            </a:r>
+          </a:p>
+          <a:p>
+            <a:pPr lvl="1">
+              <a:buFont typeface="Wingdings" panose="05000000000000000000" pitchFamily="2" charset="2"/>
+              <a:buChar char="v"/>
+            </a:pPr>
+            <a:r>
+              <a:rPr lang="en-US" dirty="0"/>
+              <a:t>The request can include updates or new features</a:t>
+            </a:r>
+          </a:p>
+          <a:p>
+            <a:pPr>
+              <a:buFont typeface="Wingdings" panose="05000000000000000000" pitchFamily="2" charset="2"/>
+              <a:buChar char="v"/>
+            </a:pPr>
+            <a:r>
+              <a:rPr lang="en-US" dirty="0"/>
+              <a:t>What the customer experiences</a:t>
+            </a:r>
+          </a:p>
+          <a:p>
+            <a:pPr lvl="1">
+              <a:buFont typeface="Wingdings" panose="05000000000000000000" pitchFamily="2" charset="2"/>
+              <a:buChar char="v"/>
+            </a:pPr>
+            <a:r>
+              <a:rPr lang="en-US" dirty="0"/>
+              <a:t> Shorter lead time = happier customers </a:t>
+            </a:r>
           </a:p>
         </p:txBody>
       </p:sp>
+      <p:pic>
+        <p:nvPicPr>
+          <p:cNvPr id="5" name="Picture 4">
+            <a:extLst>
+              <a:ext uri="{FF2B5EF4-FFF2-40B4-BE49-F238E27FC236}">
+                <a16:creationId xmlns:a16="http://schemas.microsoft.com/office/drawing/2014/main" id="{779F9C01-56AA-B968-54B6-3326F5E75EFC}"/>
+              </a:ext>
+            </a:extLst>
+          </p:cNvPr>
+          <p:cNvPicPr>
+            <a:picLocks noChangeAspect="1"/>
+          </p:cNvPicPr>
+          <p:nvPr/>
+        </p:nvPicPr>
+        <p:blipFill>
+          <a:blip r:embed="rId2"/>
+          <a:stretch>
+            <a:fillRect/>
+          </a:stretch>
+        </p:blipFill>
+        <p:spPr>
+          <a:xfrm>
+            <a:off x="5630779" y="1871170"/>
+            <a:ext cx="6400080" cy="3241241"/>
+          </a:xfrm>
+          <a:prstGeom prst="rect">
+            <a:avLst/>
+          </a:prstGeom>
+        </p:spPr>
+      </p:pic>
+      <p:pic>
+        <p:nvPicPr>
+          <p:cNvPr id="7" name="Graphic 6" descr="Smiling face with no fill">
+            <a:extLst>
+              <a:ext uri="{FF2B5EF4-FFF2-40B4-BE49-F238E27FC236}">
+                <a16:creationId xmlns:a16="http://schemas.microsoft.com/office/drawing/2014/main" id="{C1DC351A-AB9D-C339-F9DC-5B9B5793352B}"/>
+              </a:ext>
+            </a:extLst>
+          </p:cNvPr>
+          <p:cNvPicPr>
+            <a:picLocks noChangeAspect="1"/>
+          </p:cNvPicPr>
+          <p:nvPr/>
+        </p:nvPicPr>
+        <p:blipFill>
+          <a:blip r:embed="rId3">
+            <a:extLst>
+              <a:ext uri="{96DAC541-7B7A-43D3-8B79-37D633B846F1}">
+                <asvg:svgBlip xmlns:asvg="http://schemas.microsoft.com/office/drawing/2016/SVG/main" r:embed="rId4"/>
+              </a:ext>
+            </a:extLst>
+          </a:blip>
+          <a:stretch>
+            <a:fillRect/>
+          </a:stretch>
+        </p:blipFill>
+        <p:spPr>
+          <a:xfrm>
+            <a:off x="2592324" y="5394960"/>
+            <a:ext cx="914400" cy="914400"/>
+          </a:xfrm>
+          <a:prstGeom prst="rect">
+            <a:avLst/>
+          </a:prstGeom>
+        </p:spPr>
+      </p:pic>
     </p:spTree>
     <p:extLst>
       <p:ext uri="{BB962C8B-B14F-4D97-AF65-F5344CB8AC3E}">
@@ -21514,17 +21845,127 @@
         <p:spPr>
           <a:xfrm>
             <a:off x="1024128" y="2526310"/>
-            <a:ext cx="10143744" cy="3783050"/>
+            <a:ext cx="5071872" cy="3783050"/>
           </a:xfrm>
         </p:spPr>
         <p:txBody>
           <a:bodyPr/>
           <a:lstStyle/>
           <a:p>
-            <a:endParaRPr lang="en-US" dirty="0"/>
+            <a:pPr>
+              <a:buFont typeface="Wingdings" panose="05000000000000000000" pitchFamily="2" charset="2"/>
+              <a:buChar char="v"/>
+            </a:pPr>
+            <a:r>
+              <a:rPr lang="en-US" dirty="0"/>
+              <a:t> Portion within the lead time</a:t>
+            </a:r>
+          </a:p>
+          <a:p>
+            <a:pPr>
+              <a:buFont typeface="Wingdings" panose="05000000000000000000" pitchFamily="2" charset="2"/>
+              <a:buChar char="v"/>
+            </a:pPr>
+            <a:r>
+              <a:rPr lang="en-US" dirty="0"/>
+              <a:t> Time it </a:t>
+            </a:r>
+            <a:r>
+              <a:rPr lang="en-US" b="1" dirty="0"/>
+              <a:t>takes actually working </a:t>
+            </a:r>
+            <a:r>
+              <a:rPr lang="en-US" dirty="0"/>
+              <a:t>on the request</a:t>
+            </a:r>
+          </a:p>
+          <a:p>
+            <a:pPr lvl="1">
+              <a:buFont typeface="Wingdings" panose="05000000000000000000" pitchFamily="2" charset="2"/>
+              <a:buChar char="v"/>
+            </a:pPr>
+            <a:r>
+              <a:rPr lang="en-US" dirty="0"/>
+              <a:t>From start to finish</a:t>
+            </a:r>
+          </a:p>
+          <a:p>
+            <a:pPr>
+              <a:buFont typeface="Wingdings" panose="05000000000000000000" pitchFamily="2" charset="2"/>
+              <a:buChar char="v"/>
+            </a:pPr>
+            <a:r>
+              <a:rPr lang="en-US" dirty="0"/>
+              <a:t>This does not include waiting and queue times</a:t>
+            </a:r>
           </a:p>
         </p:txBody>
       </p:sp>
+      <p:pic>
+        <p:nvPicPr>
+          <p:cNvPr id="8" name="Picture 7">
+            <a:extLst>
+              <a:ext uri="{FF2B5EF4-FFF2-40B4-BE49-F238E27FC236}">
+                <a16:creationId xmlns:a16="http://schemas.microsoft.com/office/drawing/2014/main" id="{E202428A-2668-4FF6-4431-32D12379A067}"/>
+              </a:ext>
+            </a:extLst>
+          </p:cNvPr>
+          <p:cNvPicPr>
+            <a:picLocks noChangeAspect="1"/>
+          </p:cNvPicPr>
+          <p:nvPr/>
+        </p:nvPicPr>
+        <p:blipFill>
+          <a:blip r:embed="rId2">
+            <a:extLst>
+              <a:ext uri="{28A0092B-C50C-407E-A947-70E740481C1C}">
+                <a14:useLocalDpi xmlns:a14="http://schemas.microsoft.com/office/drawing/2010/main" val="0"/>
+              </a:ext>
+              <a:ext uri="{837473B0-CC2E-450A-ABE3-18F120FF3D39}">
+                <a1611:picAttrSrcUrl xmlns:a1611="http://schemas.microsoft.com/office/drawing/2016/11/main" r:id="rId3"/>
+              </a:ext>
+            </a:extLst>
+          </a:blip>
+          <a:stretch>
+            <a:fillRect/>
+          </a:stretch>
+        </p:blipFill>
+        <p:spPr>
+          <a:xfrm>
+            <a:off x="6096000" y="1703350"/>
+            <a:ext cx="5449347" cy="4054892"/>
+          </a:xfrm>
+          <a:prstGeom prst="roundRect">
+            <a:avLst>
+              <a:gd name="adj" fmla="val 4167"/>
+            </a:avLst>
+          </a:prstGeom>
+          <a:solidFill>
+            <a:srgbClr val="FFFFFF"/>
+          </a:solidFill>
+          <a:ln w="76200" cap="sq">
+            <a:solidFill>
+              <a:srgbClr val="EAEAEA"/>
+            </a:solidFill>
+            <a:miter lim="800000"/>
+          </a:ln>
+          <a:effectLst>
+            <a:reflection blurRad="12700" stA="33000" endPos="28000" dist="5000" dir="5400000" sy="-100000" algn="bl" rotWithShape="0"/>
+          </a:effectLst>
+          <a:scene3d>
+            <a:camera prst="orthographicFront"/>
+            <a:lightRig rig="threePt" dir="t">
+              <a:rot lat="0" lon="0" rev="2700000"/>
+            </a:lightRig>
+          </a:scene3d>
+          <a:sp3d contourW="6350">
+            <a:bevelT h="38100"/>
+            <a:contourClr>
+              <a:srgbClr val="C0C0C0"/>
+            </a:contourClr>
+          </a:sp3d>
+        </p:spPr>
+      </p:pic>
     </p:spTree>
     <p:extLst>
       <p:ext uri="{BB962C8B-B14F-4D97-AF65-F5344CB8AC3E}">
@@ -21599,12 +22040,157 @@
             <p:ph idx="1"/>
           </p:nvPr>
         </p:nvSpPr>
-        <p:spPr/>
+        <p:spPr>
+          <a:xfrm>
+            <a:off x="4957011" y="2286000"/>
+            <a:ext cx="6511087" cy="4023360"/>
+          </a:xfrm>
+        </p:spPr>
         <p:txBody>
-          <a:bodyPr/>
+          <a:bodyPr>
+            <a:normAutofit/>
+          </a:bodyPr>
           <a:lstStyle/>
           <a:p>
-            <a:endParaRPr lang="en-US"/>
+            <a:pPr>
+              <a:buFont typeface="Wingdings" panose="05000000000000000000" pitchFamily="2" charset="2"/>
+              <a:buChar char="v"/>
+            </a:pPr>
+            <a:r>
+              <a:rPr lang="en-US" dirty="0"/>
+              <a:t> Sometimes, </a:t>
+            </a:r>
+            <a:r>
+              <a:rPr lang="en-US" b="1" dirty="0"/>
+              <a:t>Deployments can need months</a:t>
+            </a:r>
+          </a:p>
+          <a:p>
+            <a:pPr>
+              <a:buFont typeface="Wingdings" panose="05000000000000000000" pitchFamily="2" charset="2"/>
+              <a:buChar char="v"/>
+            </a:pPr>
+            <a:r>
+              <a:rPr lang="en-US" dirty="0"/>
+              <a:t> Deployment can mean updates, patches, or overall, all making the software available for its audience</a:t>
+            </a:r>
+          </a:p>
+          <a:p>
+            <a:pPr>
+              <a:buFont typeface="Wingdings" panose="05000000000000000000" pitchFamily="2" charset="2"/>
+              <a:buChar char="v"/>
+            </a:pPr>
+            <a:r>
+              <a:rPr lang="en-US" dirty="0"/>
+              <a:t>It takes months when organizations are complex, scarce resources or tightly coupled systems</a:t>
+            </a:r>
+          </a:p>
+          <a:p>
+            <a:pPr>
+              <a:buFont typeface="Wingdings" panose="05000000000000000000" pitchFamily="2" charset="2"/>
+              <a:buChar char="v"/>
+            </a:pPr>
+            <a:r>
+              <a:rPr lang="en-US" dirty="0"/>
+              <a:t>Result: changes sit in queues, integration occurs rarely, releases become risky and slow — lead time measured in weeks to months. Business impact: slower feedback loops, reduced agility, higher risk on each release.</a:t>
+            </a:r>
+          </a:p>
+          <a:p>
+            <a:pPr>
+              <a:buFont typeface="Wingdings" panose="05000000000000000000" pitchFamily="2" charset="2"/>
+              <a:buChar char="v"/>
+            </a:pPr>
+            <a:r>
+              <a:rPr lang="en-US" dirty="0"/>
+              <a:t>This can slow down the Technology Value Stream</a:t>
+            </a:r>
+          </a:p>
+        </p:txBody>
+      </p:sp>
+      <p:pic>
+        <p:nvPicPr>
+          <p:cNvPr id="5" name="Picture 4">
+            <a:extLst>
+              <a:ext uri="{FF2B5EF4-FFF2-40B4-BE49-F238E27FC236}">
+                <a16:creationId xmlns:a16="http://schemas.microsoft.com/office/drawing/2014/main" id="{F8067082-0EA5-F8DB-A262-BA130D385042}"/>
+              </a:ext>
+            </a:extLst>
+          </p:cNvPr>
+          <p:cNvPicPr>
+            <a:picLocks noChangeAspect="1"/>
+          </p:cNvPicPr>
+          <p:nvPr/>
+        </p:nvPicPr>
+        <p:blipFill>
+          <a:blip r:embed="rId2">
+            <a:extLst>
+              <a:ext uri="{28A0092B-C50C-407E-A947-70E740481C1C}">
+                <a14:useLocalDpi xmlns:a14="http://schemas.microsoft.com/office/drawing/2010/main" val="0"/>
+              </a:ext>
+              <a:ext uri="{837473B0-CC2E-450A-ABE3-18F120FF3D39}">
+                <a1611:picAttrSrcUrl xmlns:a1611="http://schemas.microsoft.com/office/drawing/2016/11/main" r:id="rId3"/>
+              </a:ext>
+            </a:extLst>
+          </a:blip>
+          <a:stretch>
+            <a:fillRect/>
+          </a:stretch>
+        </p:blipFill>
+        <p:spPr>
+          <a:xfrm>
+            <a:off x="723901" y="2084832"/>
+            <a:ext cx="3948977" cy="3915614"/>
+          </a:xfrm>
+          <a:prstGeom prst="roundRect">
+            <a:avLst>
+              <a:gd name="adj" fmla="val 8594"/>
+            </a:avLst>
+          </a:prstGeom>
+          <a:solidFill>
+            <a:srgbClr val="FFFFFF">
+              <a:shade val="85000"/>
+            </a:srgbClr>
+          </a:solidFill>
+          <a:ln>
+            <a:noFill/>
+          </a:ln>
+          <a:effectLst>
+            <a:reflection blurRad="12700" stA="38000" endPos="28000" dist="5000" dir="5400000" sy="-100000" algn="bl" rotWithShape="0"/>
+          </a:effectLst>
+        </p:spPr>
+      </p:pic>
+      <p:sp>
+        <p:nvSpPr>
+          <p:cNvPr id="8" name="TextBox 7">
+            <a:extLst>
+              <a:ext uri="{FF2B5EF4-FFF2-40B4-BE49-F238E27FC236}">
+                <a16:creationId xmlns:a16="http://schemas.microsoft.com/office/drawing/2014/main" id="{C051B25E-6624-F623-E05E-4DFCC2053484}"/>
+              </a:ext>
+            </a:extLst>
+          </p:cNvPr>
+          <p:cNvSpPr txBox="1"/>
+          <p:nvPr/>
+        </p:nvSpPr>
+        <p:spPr>
+          <a:xfrm>
+            <a:off x="1024128" y="6000446"/>
+            <a:ext cx="3243072" cy="369332"/>
+          </a:xfrm>
+          <a:prstGeom prst="rect">
+            <a:avLst/>
+          </a:prstGeom>
+          <a:noFill/>
+        </p:spPr>
+        <p:txBody>
+          <a:bodyPr wrap="square" rtlCol="0">
+            <a:spAutoFit/>
+          </a:bodyPr>
+          <a:lstStyle/>
+          <a:p>
+            <a:r>
+              <a:rPr lang="en-US" dirty="0"/>
+              <a:t>Deployment at a snail’s pace</a:t>
+            </a:r>
           </a:p>
         </p:txBody>
       </p:sp>
@@ -21682,12 +22268,216 @@
             <p:ph idx="1"/>
           </p:nvPr>
         </p:nvSpPr>
-        <p:spPr/>
+        <p:spPr>
+          <a:xfrm>
+            <a:off x="1024129" y="2286000"/>
+            <a:ext cx="5344587" cy="4023360"/>
+          </a:xfrm>
+        </p:spPr>
         <p:txBody>
           <a:bodyPr/>
           <a:lstStyle/>
           <a:p>
-            <a:endParaRPr lang="en-US"/>
+            <a:pPr>
+              <a:buFont typeface="Wingdings" panose="05000000000000000000" pitchFamily="2" charset="2"/>
+              <a:buChar char="v"/>
+            </a:pPr>
+            <a:r>
+              <a:rPr lang="en-US" dirty="0"/>
+              <a:t>In a perfect world, fast constant feedback allows for fast implantation and integration time</a:t>
+            </a:r>
+          </a:p>
+          <a:p>
+            <a:pPr>
+              <a:buFont typeface="Wingdings" panose="05000000000000000000" pitchFamily="2" charset="2"/>
+              <a:buChar char="v"/>
+            </a:pPr>
+            <a:r>
+              <a:rPr lang="en-US" dirty="0"/>
+              <a:t>This can be achieved with:</a:t>
+            </a:r>
+          </a:p>
+          <a:p>
+            <a:pPr lvl="1">
+              <a:buFont typeface="Wingdings" panose="05000000000000000000" pitchFamily="2" charset="2"/>
+              <a:buChar char="v"/>
+            </a:pPr>
+            <a:r>
+              <a:rPr lang="en-US" dirty="0"/>
+              <a:t>Integration of automation</a:t>
+            </a:r>
+          </a:p>
+          <a:p>
+            <a:pPr lvl="1">
+              <a:buFont typeface="Wingdings" panose="05000000000000000000" pitchFamily="2" charset="2"/>
+              <a:buChar char="v"/>
+            </a:pPr>
+            <a:r>
+              <a:rPr lang="en-US" dirty="0"/>
+              <a:t>Continuously checking small changes</a:t>
+            </a:r>
+          </a:p>
+          <a:p>
+            <a:pPr lvl="1">
+              <a:buFont typeface="Wingdings" panose="05000000000000000000" pitchFamily="2" charset="2"/>
+              <a:buChar char="v"/>
+            </a:pPr>
+            <a:r>
+              <a:rPr lang="en-US" dirty="0"/>
+              <a:t>Exploratory testing</a:t>
+            </a:r>
+          </a:p>
+          <a:p>
+            <a:pPr lvl="1">
+              <a:buFont typeface="Wingdings" panose="05000000000000000000" pitchFamily="2" charset="2"/>
+              <a:buChar char="v"/>
+            </a:pPr>
+            <a:r>
+              <a:rPr lang="en-US" dirty="0"/>
+              <a:t>Modular architecture</a:t>
+            </a:r>
+          </a:p>
+          <a:p>
+            <a:pPr lvl="1">
+              <a:buFont typeface="Wingdings" panose="05000000000000000000" pitchFamily="2" charset="2"/>
+              <a:buChar char="v"/>
+            </a:pPr>
+            <a:r>
+              <a:rPr lang="en-US" dirty="0"/>
+              <a:t>Loosely coupled</a:t>
+            </a:r>
+          </a:p>
+          <a:p>
+            <a:pPr lvl="1">
+              <a:buFont typeface="Wingdings" panose="05000000000000000000" pitchFamily="2" charset="2"/>
+              <a:buChar char="v"/>
+            </a:pPr>
+            <a:r>
+              <a:rPr lang="en-US" dirty="0"/>
+              <a:t>Well encapsulation</a:t>
+            </a:r>
+          </a:p>
+        </p:txBody>
+      </p:sp>
+      <p:pic>
+        <p:nvPicPr>
+          <p:cNvPr id="5" name="Picture 4">
+            <a:extLst>
+              <a:ext uri="{FF2B5EF4-FFF2-40B4-BE49-F238E27FC236}">
+                <a16:creationId xmlns:a16="http://schemas.microsoft.com/office/drawing/2014/main" id="{EB450F87-6993-5F03-34AD-C6F308720904}"/>
+              </a:ext>
+            </a:extLst>
+          </p:cNvPr>
+          <p:cNvPicPr>
+            <a:picLocks noChangeAspect="1"/>
+          </p:cNvPicPr>
+          <p:nvPr/>
+        </p:nvPicPr>
+        <p:blipFill>
+          <a:blip r:embed="rId2">
+            <a:extLst>
+              <a:ext uri="{28A0092B-C50C-407E-A947-70E740481C1C}">
+                <a14:useLocalDpi xmlns:a14="http://schemas.microsoft.com/office/drawing/2010/main" val="0"/>
+              </a:ext>
+              <a:ext uri="{837473B0-CC2E-450A-ABE3-18F120FF3D39}">
+                <a1611:picAttrSrcUrl xmlns:a1611="http://schemas.microsoft.com/office/drawing/2016/11/main" r:id="rId3"/>
+              </a:ext>
+            </a:extLst>
+          </a:blip>
+          <a:stretch>
+            <a:fillRect/>
+          </a:stretch>
+        </p:blipFill>
+        <p:spPr>
+          <a:xfrm>
+            <a:off x="6971297" y="2315664"/>
+            <a:ext cx="4762500" cy="2886075"/>
+          </a:xfrm>
+          <a:prstGeom prst="rect">
+            <a:avLst/>
+          </a:prstGeom>
+        </p:spPr>
+      </p:pic>
+      <p:sp>
+        <p:nvSpPr>
+          <p:cNvPr id="6" name="TextBox 5">
+            <a:extLst>
+              <a:ext uri="{FF2B5EF4-FFF2-40B4-BE49-F238E27FC236}">
+                <a16:creationId xmlns:a16="http://schemas.microsoft.com/office/drawing/2014/main" id="{FACCB233-3807-C09E-4180-933C60ABE1CA}"/>
+              </a:ext>
+            </a:extLst>
+          </p:cNvPr>
+          <p:cNvSpPr txBox="1"/>
+          <p:nvPr/>
+        </p:nvSpPr>
+        <p:spPr>
+          <a:xfrm>
+            <a:off x="6971297" y="4970907"/>
+            <a:ext cx="4762500" cy="230832"/>
+          </a:xfrm>
+          <a:prstGeom prst="rect">
+            <a:avLst/>
+          </a:prstGeom>
+          <a:noFill/>
+        </p:spPr>
+        <p:txBody>
+          <a:bodyPr wrap="square" rtlCol="0">
+            <a:spAutoFit/>
+          </a:bodyPr>
+          <a:lstStyle/>
+          <a:p>
+            <a:r>
+              <a:rPr lang="en-US" sz="900">
+                <a:hlinkClick r:id="rId3" tooltip="https://www.flickr.com/photos/robinhughes/274485142/"/>
+              </a:rPr>
+              <a:t>This Photo</a:t>
+            </a:r>
+            <a:r>
+              <a:rPr lang="en-US" sz="900"/>
+              <a:t> by Unknown Author is licensed under </a:t>
+            </a:r>
+            <a:r>
+              <a:rPr lang="en-US" sz="900">
+                <a:hlinkClick r:id="rId4" tooltip="https://creativecommons.org/licenses/by-nc-sa/3.0/"/>
+              </a:rPr>
+              <a:t>CC BY-SA-NC</a:t>
+            </a:r>
+            <a:endParaRPr lang="en-US" sz="900"/>
+          </a:p>
+        </p:txBody>
+      </p:sp>
+      <p:sp>
+        <p:nvSpPr>
+          <p:cNvPr id="7" name="TextBox 6">
+            <a:extLst>
+              <a:ext uri="{FF2B5EF4-FFF2-40B4-BE49-F238E27FC236}">
+                <a16:creationId xmlns:a16="http://schemas.microsoft.com/office/drawing/2014/main" id="{D3E108CD-20EA-947C-D10B-E975A42A419F}"/>
+              </a:ext>
+            </a:extLst>
+          </p:cNvPr>
+          <p:cNvSpPr txBox="1"/>
+          <p:nvPr/>
+        </p:nvSpPr>
+        <p:spPr>
+          <a:xfrm>
+            <a:off x="7691002" y="5201739"/>
+            <a:ext cx="3323089" cy="369332"/>
+          </a:xfrm>
+          <a:prstGeom prst="rect">
+            <a:avLst/>
+          </a:prstGeom>
+          <a:noFill/>
+        </p:spPr>
+        <p:txBody>
+          <a:bodyPr wrap="none" rtlCol="0">
+            <a:spAutoFit/>
+          </a:bodyPr>
+          <a:lstStyle/>
+          <a:p>
+            <a:r>
+              <a:rPr lang="en-US" dirty="0"/>
+              <a:t>Deployment as fast as a swordfish</a:t>
+            </a:r>
           </a:p>
         </p:txBody>
       </p:sp>
@@ -21744,7 +22534,7 @@
           <a:p>
             <a:r>
               <a:rPr lang="en-US" dirty="0"/>
-              <a:t>Metrics to track &amp; Next steps</a:t>
+              <a:t>Metrics to track </a:t>
             </a:r>
           </a:p>
         </p:txBody>
@@ -21765,12 +22555,71 @@
             <p:ph idx="1"/>
           </p:nvPr>
         </p:nvSpPr>
-        <p:spPr/>
+        <p:spPr>
+          <a:xfrm>
+            <a:off x="1024128" y="2084832"/>
+            <a:ext cx="8729472" cy="4023360"/>
+          </a:xfrm>
+        </p:spPr>
         <p:txBody>
           <a:bodyPr/>
           <a:lstStyle/>
           <a:p>
-            <a:endParaRPr lang="en-US"/>
+            <a:pPr>
+              <a:buFont typeface="Wingdings" panose="05000000000000000000" pitchFamily="2" charset="2"/>
+              <a:buChar char="v"/>
+            </a:pPr>
+            <a:r>
+              <a:rPr lang="en-US" dirty="0"/>
+              <a:t>How do we keep track of the stream? Here is a number of things to help create a sense of time</a:t>
+            </a:r>
+          </a:p>
+          <a:p>
+            <a:pPr lvl="1">
+              <a:buFont typeface="Wingdings" panose="05000000000000000000" pitchFamily="2" charset="2"/>
+              <a:buChar char="v"/>
+            </a:pPr>
+            <a:r>
+              <a:rPr lang="en-US" dirty="0"/>
+              <a:t>Number of work items completed in a set time period</a:t>
+            </a:r>
+          </a:p>
+          <a:p>
+            <a:pPr lvl="2">
+              <a:buFont typeface="Wingdings" panose="05000000000000000000" pitchFamily="2" charset="2"/>
+              <a:buChar char="v"/>
+            </a:pPr>
+            <a:r>
+              <a:rPr lang="en-US" dirty="0"/>
+              <a:t>Helps when understanding of the pacing of the project</a:t>
+            </a:r>
+          </a:p>
+          <a:p>
+            <a:pPr lvl="1">
+              <a:buFont typeface="Wingdings" panose="05000000000000000000" pitchFamily="2" charset="2"/>
+              <a:buChar char="v"/>
+            </a:pPr>
+            <a:r>
+              <a:rPr lang="en-US" dirty="0"/>
+              <a:t>The proportion between work items worked on at the time and how much time has passed (in other words tracking how long it takes to complete the work item)</a:t>
+            </a:r>
+          </a:p>
+          <a:p>
+            <a:pPr lvl="1">
+              <a:buFont typeface="Wingdings" panose="05000000000000000000" pitchFamily="2" charset="2"/>
+              <a:buChar char="v"/>
+            </a:pPr>
+            <a:r>
+              <a:rPr lang="en-US" dirty="0"/>
+              <a:t>Change failure rate </a:t>
+            </a:r>
+          </a:p>
+          <a:p>
+            <a:pPr lvl="1">
+              <a:buFont typeface="Wingdings" panose="05000000000000000000" pitchFamily="2" charset="2"/>
+              <a:buChar char="v"/>
+            </a:pPr>
+            <a:endParaRPr lang="en-US" dirty="0"/>
           </a:p>
         </p:txBody>
       </p:sp>
@@ -21809,7 +22658,7 @@
           <p:cNvPr id="2" name="Title 1">
             <a:extLst>
               <a:ext uri="{FF2B5EF4-FFF2-40B4-BE49-F238E27FC236}">
-                <a16:creationId xmlns:a16="http://schemas.microsoft.com/office/drawing/2014/main" id="{5116642F-F849-DFCF-F526-5DEA35BECC41}"/>
+                <a16:creationId xmlns:a16="http://schemas.microsoft.com/office/drawing/2014/main" id="{094708A4-1A34-8338-97F5-152B52B8781D}"/>
               </a:ext>
             </a:extLst>
           </p:cNvPr>
@@ -21827,7 +22676,7 @@
           <a:p>
             <a:r>
               <a:rPr lang="en-US" dirty="0"/>
-              <a:t>Resources</a:t>
+              <a:t>Next Steps…</a:t>
             </a:r>
           </a:p>
         </p:txBody>
@@ -21837,7 +22686,7 @@
           <p:cNvPr id="3" name="Content Placeholder 2">
             <a:extLst>
               <a:ext uri="{FF2B5EF4-FFF2-40B4-BE49-F238E27FC236}">
-                <a16:creationId xmlns:a16="http://schemas.microsoft.com/office/drawing/2014/main" id="{9E98AD09-167C-B74B-105D-FDFFCD0C9152}"/>
+                <a16:creationId xmlns:a16="http://schemas.microsoft.com/office/drawing/2014/main" id="{F6F54465-8641-C51C-9520-4DA6DC7CF84C}"/>
               </a:ext>
             </a:extLst>
           </p:cNvPr>
@@ -21848,58 +22697,110 @@
             <p:ph idx="1"/>
           </p:nvPr>
         </p:nvSpPr>
-        <p:spPr/>
+        <p:spPr>
+          <a:xfrm>
+            <a:off x="1024129" y="2286000"/>
+            <a:ext cx="6066482" cy="4023360"/>
+          </a:xfrm>
+        </p:spPr>
         <p:txBody>
-          <a:bodyPr>
-            <a:normAutofit/>
-          </a:bodyPr>
+          <a:bodyPr/>
           <a:lstStyle/>
           <a:p>
-            <a:pPr marL="0" indent="0">
-              <a:buNone/>
+            <a:pPr>
+              <a:buFont typeface="Wingdings" panose="05000000000000000000" pitchFamily="2" charset="2"/>
+              <a:buChar char="q"/>
             </a:pPr>
             <a:r>
-              <a:rPr lang="en-US" sz="1800" dirty="0"/>
-              <a:t>OpenAI. (2023). ChatGPT (Feb 13 version) [Large language model]. https://chat.openai.com</a:t>
+              <a:rPr lang="en-US" dirty="0"/>
+              <a:t>Map your technology value stream end-to-end (visualize queues &amp; handoffs).</a:t>
             </a:r>
           </a:p>
           <a:p>
-            <a:pPr marL="0" indent="0">
-              <a:buNone/>
+            <a:pPr>
+              <a:buFont typeface="Wingdings" panose="05000000000000000000" pitchFamily="2" charset="2"/>
+              <a:buChar char="q"/>
             </a:pPr>
             <a:r>
-              <a:rPr lang="en-US" sz="1800" dirty="0"/>
-              <a:t>‌Kim, G., Debois, P., Willis, J., Jez Humble, &amp; </a:t>
-            </a:r>
-            <a:r>
-              <a:rPr lang="en-US" sz="1800" dirty="0" err="1"/>
-              <a:t>Allspaw</a:t>
-            </a:r>
-            <a:r>
-              <a:rPr lang="en-US" sz="1800" dirty="0"/>
-              <a:t>, J. (2021). The DevOps handbook : how to create world-class agility, reliability, &amp; security in technology organizations. It Revolution Press, </a:t>
-            </a:r>
-            <a:r>
-              <a:rPr lang="en-US" sz="1800" dirty="0" err="1"/>
-              <a:t>Llc</a:t>
-            </a:r>
-            <a:r>
-              <a:rPr lang="en-US" sz="1800" dirty="0"/>
-              <a:t>.</a:t>
+              <a:rPr lang="en-US" dirty="0"/>
+              <a:t>Measure current lead time and processing time separately.</a:t>
             </a:r>
           </a:p>
           <a:p>
-            <a:pPr marL="0" indent="0">
-              <a:buNone/>
+            <a:pPr>
+              <a:buFont typeface="Wingdings" panose="05000000000000000000" pitchFamily="2" charset="2"/>
+              <a:buChar char="q"/>
             </a:pPr>
-            <a:endParaRPr lang="en-US" sz="1800" dirty="0"/>
+            <a:r>
+              <a:rPr lang="en-US" dirty="0"/>
+              <a:t>Identify largest queue(s) and risky handoffs.</a:t>
+            </a:r>
+          </a:p>
+          <a:p>
+            <a:pPr>
+              <a:buFont typeface="Wingdings" panose="05000000000000000000" pitchFamily="2" charset="2"/>
+              <a:buChar char="q"/>
+            </a:pPr>
+            <a:r>
+              <a:rPr lang="en-US" dirty="0"/>
+              <a:t>Pilot small-batch CI/CD flow on one product/team.</a:t>
+            </a:r>
+          </a:p>
+          <a:p>
+            <a:pPr>
+              <a:buFont typeface="Wingdings" panose="05000000000000000000" pitchFamily="2" charset="2"/>
+              <a:buChar char="q"/>
+            </a:pPr>
+            <a:r>
+              <a:rPr lang="en-US" dirty="0"/>
+              <a:t>Track metrics and iterate (aim for incremental reductions).</a:t>
+            </a:r>
           </a:p>
         </p:txBody>
       </p:sp>
+      <p:pic>
+        <p:nvPicPr>
+          <p:cNvPr id="8" name="Picture 7">
+            <a:extLst>
+              <a:ext uri="{FF2B5EF4-FFF2-40B4-BE49-F238E27FC236}">
+                <a16:creationId xmlns:a16="http://schemas.microsoft.com/office/drawing/2014/main" id="{221B54AB-C226-5020-8C39-196014383188}"/>
+              </a:ext>
+            </a:extLst>
+          </p:cNvPr>
+          <p:cNvPicPr>
+            <a:picLocks noChangeAspect="1"/>
+          </p:cNvPicPr>
+          <p:nvPr/>
+        </p:nvPicPr>
+        <p:blipFill>
+          <a:blip r:embed="rId2">
+            <a:extLst>
+              <a:ext uri="{28A0092B-C50C-407E-A947-70E740481C1C}">
+                <a14:useLocalDpi xmlns:a14="http://schemas.microsoft.com/office/drawing/2010/main" val="0"/>
+              </a:ext>
+              <a:ext uri="{837473B0-CC2E-450A-ABE3-18F120FF3D39}">
+                <a1611:picAttrSrcUrl xmlns:a1611="http://schemas.microsoft.com/office/drawing/2016/11/main" r:id="rId3"/>
+              </a:ext>
+            </a:extLst>
+          </a:blip>
+          <a:stretch>
+            <a:fillRect/>
+          </a:stretch>
+        </p:blipFill>
+        <p:spPr>
+          <a:xfrm>
+            <a:off x="7668126" y="1552074"/>
+            <a:ext cx="4086726" cy="4086726"/>
+          </a:xfrm>
+          <a:prstGeom prst="rect">
+            <a:avLst/>
+          </a:prstGeom>
+        </p:spPr>
+      </p:pic>
     </p:spTree>
     <p:extLst>
       <p:ext uri="{BB962C8B-B14F-4D97-AF65-F5344CB8AC3E}">
-        <p14:creationId xmlns:p14="http://schemas.microsoft.com/office/powerpoint/2010/main" val="433987540"/>
+        <p14:creationId xmlns:p14="http://schemas.microsoft.com/office/powerpoint/2010/main" val="890126302"/>
       </p:ext>
     </p:extLst>
   </p:cSld>

--- a/module-1/Faison_1_2_TechnologyValueStream.pptx
+++ b/module-1/Faison_1_2_TechnologyValueStream.pptx
@@ -20831,9 +20831,15 @@
             <a:pPr marL="0" indent="0">
               <a:buNone/>
             </a:pPr>
+            <a:endParaRPr lang="en-US" sz="1800" dirty="0"/>
+          </a:p>
+          <a:p>
+            <a:pPr marL="0" indent="0">
+              <a:buNone/>
+            </a:pPr>
             <a:r>
               <a:rPr lang="en-US" sz="1800" dirty="0"/>
-              <a:t>OpenAI. (2023). ChatGPT (Feb 13 version) [Large language model]. https://chat.openai.com</a:t>
+              <a:t>Kenton, W. (2024, June 5). What is Lead Time? Investopedia. https://www.investopedia.com/terms/l/leadtime.asp</a:t>
             </a:r>
           </a:p>
           <a:p>
@@ -20867,14 +20873,8 @@
             </a:pPr>
             <a:r>
               <a:rPr lang="en-US" sz="1800" dirty="0"/>
-              <a:t>Kenton, W. (2024, June 5). What is Lead Time? Investopedia. https://www.investopedia.com/terms/l/leadtime.asp</a:t>
+              <a:t>OpenAI. (2023). ChatGPT (Feb 13 version) [Large language model]. https://chat.openai.com</a:t>
             </a:r>
-          </a:p>
-          <a:p>
-            <a:pPr marL="0" indent="0">
-              <a:buNone/>
-            </a:pPr>
-            <a:endParaRPr lang="en-US" sz="1800" dirty="0"/>
           </a:p>
           <a:p>
             <a:pPr marL="0" indent="0">
